--- a/Turma Maio 2017/Aula 3/Aula de Excel 3.pptx
+++ b/Turma Maio 2017/Aula 3/Aula de Excel 3.pptx
@@ -208,7 +208,7 @@
           <a:p>
             <a:fld id="{184BBF33-DD10-46B2-A0A7-44165F3356F0}" type="datetimeFigureOut">
               <a:rPr lang="pt-BR" smtClean="0"/>
-              <a:t>09/05/2017</a:t>
+              <a:t>19/07/2017</a:t>
             </a:fld>
             <a:endParaRPr lang="pt-BR"/>
           </a:p>
@@ -654,7 +654,7 @@
           <a:p>
             <a:fld id="{11612DAF-FD73-4975-A585-30AE5A550125}" type="datetimeFigureOut">
               <a:rPr lang="pt-BR" smtClean="0"/>
-              <a:t>09/05/2017</a:t>
+              <a:t>19/07/2017</a:t>
             </a:fld>
             <a:endParaRPr lang="pt-BR"/>
           </a:p>
@@ -834,7 +834,7 @@
           <a:p>
             <a:fld id="{11612DAF-FD73-4975-A585-30AE5A550125}" type="datetimeFigureOut">
               <a:rPr lang="pt-BR" smtClean="0"/>
-              <a:t>09/05/2017</a:t>
+              <a:t>19/07/2017</a:t>
             </a:fld>
             <a:endParaRPr lang="pt-BR"/>
           </a:p>
@@ -1024,7 +1024,7 @@
           <a:p>
             <a:fld id="{11612DAF-FD73-4975-A585-30AE5A550125}" type="datetimeFigureOut">
               <a:rPr lang="pt-BR" smtClean="0"/>
-              <a:t>09/05/2017</a:t>
+              <a:t>19/07/2017</a:t>
             </a:fld>
             <a:endParaRPr lang="pt-BR"/>
           </a:p>
@@ -1204,7 +1204,7 @@
           <a:p>
             <a:fld id="{11612DAF-FD73-4975-A585-30AE5A550125}" type="datetimeFigureOut">
               <a:rPr lang="pt-BR" smtClean="0"/>
-              <a:t>09/05/2017</a:t>
+              <a:t>19/07/2017</a:t>
             </a:fld>
             <a:endParaRPr lang="pt-BR"/>
           </a:p>
@@ -1461,7 +1461,7 @@
           <a:p>
             <a:fld id="{11612DAF-FD73-4975-A585-30AE5A550125}" type="datetimeFigureOut">
               <a:rPr lang="pt-BR" smtClean="0"/>
-              <a:t>09/05/2017</a:t>
+              <a:t>19/07/2017</a:t>
             </a:fld>
             <a:endParaRPr lang="pt-BR"/>
           </a:p>
@@ -1758,7 +1758,7 @@
           <a:p>
             <a:fld id="{11612DAF-FD73-4975-A585-30AE5A550125}" type="datetimeFigureOut">
               <a:rPr lang="pt-BR" smtClean="0"/>
-              <a:t>09/05/2017</a:t>
+              <a:t>19/07/2017</a:t>
             </a:fld>
             <a:endParaRPr lang="pt-BR"/>
           </a:p>
@@ -2194,7 +2194,7 @@
           <a:p>
             <a:fld id="{11612DAF-FD73-4975-A585-30AE5A550125}" type="datetimeFigureOut">
               <a:rPr lang="pt-BR" smtClean="0"/>
-              <a:t>09/05/2017</a:t>
+              <a:t>19/07/2017</a:t>
             </a:fld>
             <a:endParaRPr lang="pt-BR"/>
           </a:p>
@@ -2323,7 +2323,7 @@
           <a:p>
             <a:fld id="{11612DAF-FD73-4975-A585-30AE5A550125}" type="datetimeFigureOut">
               <a:rPr lang="pt-BR" smtClean="0"/>
-              <a:t>09/05/2017</a:t>
+              <a:t>19/07/2017</a:t>
             </a:fld>
             <a:endParaRPr lang="pt-BR"/>
           </a:p>
@@ -2430,7 +2430,7 @@
           <a:p>
             <a:fld id="{11612DAF-FD73-4975-A585-30AE5A550125}" type="datetimeFigureOut">
               <a:rPr lang="pt-BR" smtClean="0"/>
-              <a:t>09/05/2017</a:t>
+              <a:t>19/07/2017</a:t>
             </a:fld>
             <a:endParaRPr lang="pt-BR"/>
           </a:p>
@@ -2717,7 +2717,7 @@
           <a:p>
             <a:fld id="{11612DAF-FD73-4975-A585-30AE5A550125}" type="datetimeFigureOut">
               <a:rPr lang="pt-BR" smtClean="0"/>
-              <a:t>09/05/2017</a:t>
+              <a:t>19/07/2017</a:t>
             </a:fld>
             <a:endParaRPr lang="pt-BR"/>
           </a:p>
@@ -2984,7 +2984,7 @@
           <a:p>
             <a:fld id="{11612DAF-FD73-4975-A585-30AE5A550125}" type="datetimeFigureOut">
               <a:rPr lang="pt-BR" smtClean="0"/>
-              <a:t>09/05/2017</a:t>
+              <a:t>19/07/2017</a:t>
             </a:fld>
             <a:endParaRPr lang="pt-BR"/>
           </a:p>
@@ -3207,7 +3207,7 @@
           <a:p>
             <a:fld id="{11612DAF-FD73-4975-A585-30AE5A550125}" type="datetimeFigureOut">
               <a:rPr lang="pt-BR" smtClean="0"/>
-              <a:t>09/05/2017</a:t>
+              <a:t>19/07/2017</a:t>
             </a:fld>
             <a:endParaRPr lang="pt-BR"/>
           </a:p>
@@ -4093,30 +4093,14 @@
               <a:buChar char="•"/>
             </a:pPr>
             <a:r>
-              <a:rPr lang="pt-BR" sz="4800" dirty="0">
+              <a:rPr lang="pt-BR" sz="4800" dirty="0" err="1">
                 <a:solidFill>
                   <a:srgbClr val="255EA9"/>
                 </a:solidFill>
                 <a:latin typeface="Arial" panose="020B0604020202020204" pitchFamily="34" charset="0"/>
                 <a:cs typeface="Arial" panose="020B0604020202020204" pitchFamily="34" charset="0"/>
               </a:rPr>
-              <a:t>Cont.SE</a:t>
-            </a:r>
-          </a:p>
-          <a:p>
-            <a:pPr marL="1143000" indent="-1143000" algn="l">
-              <a:buFont typeface="Arial" panose="020B0604020202020204" pitchFamily="34" charset="0"/>
-              <a:buChar char="•"/>
-            </a:pPr>
-            <a:r>
-              <a:rPr lang="pt-BR" sz="4800" dirty="0" err="1">
-                <a:solidFill>
-                  <a:srgbClr val="255EA9"/>
-                </a:solidFill>
-                <a:latin typeface="Arial" panose="020B0604020202020204" pitchFamily="34" charset="0"/>
-                <a:cs typeface="Arial" panose="020B0604020202020204" pitchFamily="34" charset="0"/>
-              </a:rPr>
-              <a:t>SomaSe</a:t>
+              <a:t>Cont.Valores</a:t>
             </a:r>
             <a:endParaRPr lang="pt-BR" sz="4800" dirty="0">
               <a:solidFill>
@@ -4139,7 +4123,7 @@
                 <a:latin typeface="Arial" panose="020B0604020202020204" pitchFamily="34" charset="0"/>
                 <a:cs typeface="Arial" panose="020B0604020202020204" pitchFamily="34" charset="0"/>
               </a:rPr>
-              <a:t>SomaSes</a:t>
+              <a:t>Cont.Se</a:t>
             </a:r>
             <a:endParaRPr lang="pt-BR" sz="4800" dirty="0">
               <a:solidFill>
@@ -4148,6 +4132,111 @@
               <a:latin typeface="Arial" panose="020B0604020202020204" pitchFamily="34" charset="0"/>
               <a:cs typeface="Arial" panose="020B0604020202020204" pitchFamily="34" charset="0"/>
             </a:endParaRPr>
+          </a:p>
+          <a:p>
+            <a:pPr marL="1143000" indent="-1143000" algn="l">
+              <a:buFont typeface="Arial" panose="020B0604020202020204" pitchFamily="34" charset="0"/>
+              <a:buChar char="•"/>
+            </a:pPr>
+            <a:r>
+              <a:rPr lang="pt-BR" sz="4800" dirty="0" err="1">
+                <a:solidFill>
+                  <a:srgbClr val="255EA9"/>
+                </a:solidFill>
+                <a:latin typeface="Arial" panose="020B0604020202020204" pitchFamily="34" charset="0"/>
+                <a:cs typeface="Arial" panose="020B0604020202020204" pitchFamily="34" charset="0"/>
+              </a:rPr>
+              <a:t>Cont.Ses</a:t>
+            </a:r>
+            <a:endParaRPr lang="pt-BR" sz="4800" dirty="0">
+              <a:solidFill>
+                <a:srgbClr val="255EA9"/>
+              </a:solidFill>
+              <a:latin typeface="Arial" panose="020B0604020202020204" pitchFamily="34" charset="0"/>
+              <a:cs typeface="Arial" panose="020B0604020202020204" pitchFamily="34" charset="0"/>
+            </a:endParaRPr>
+          </a:p>
+          <a:p>
+            <a:pPr marL="1143000" indent="-1143000" algn="l">
+              <a:buFont typeface="Arial" panose="020B0604020202020204" pitchFamily="34" charset="0"/>
+              <a:buChar char="•"/>
+            </a:pPr>
+            <a:r>
+              <a:rPr lang="pt-BR" sz="4800" dirty="0" err="1">
+                <a:solidFill>
+                  <a:srgbClr val="255EA9"/>
+                </a:solidFill>
+                <a:latin typeface="Arial" panose="020B0604020202020204" pitchFamily="34" charset="0"/>
+                <a:cs typeface="Arial" panose="020B0604020202020204" pitchFamily="34" charset="0"/>
+              </a:rPr>
+              <a:t>SomaSe</a:t>
+            </a:r>
+            <a:endParaRPr lang="pt-BR" sz="4800" dirty="0">
+              <a:solidFill>
+                <a:srgbClr val="255EA9"/>
+              </a:solidFill>
+              <a:latin typeface="Arial" panose="020B0604020202020204" pitchFamily="34" charset="0"/>
+              <a:cs typeface="Arial" panose="020B0604020202020204" pitchFamily="34" charset="0"/>
+            </a:endParaRPr>
+          </a:p>
+          <a:p>
+            <a:pPr marL="1143000" indent="-1143000" algn="l">
+              <a:buFont typeface="Arial" panose="020B0604020202020204" pitchFamily="34" charset="0"/>
+              <a:buChar char="•"/>
+            </a:pPr>
+            <a:r>
+              <a:rPr lang="pt-BR" sz="4800" dirty="0" err="1">
+                <a:solidFill>
+                  <a:srgbClr val="255EA9"/>
+                </a:solidFill>
+                <a:latin typeface="Arial" panose="020B0604020202020204" pitchFamily="34" charset="0"/>
+                <a:cs typeface="Arial" panose="020B0604020202020204" pitchFamily="34" charset="0"/>
+              </a:rPr>
+              <a:t>SomaSes</a:t>
+            </a:r>
+            <a:endParaRPr lang="pt-BR" sz="4800" dirty="0">
+              <a:solidFill>
+                <a:srgbClr val="255EA9"/>
+              </a:solidFill>
+              <a:latin typeface="Arial" panose="020B0604020202020204" pitchFamily="34" charset="0"/>
+              <a:cs typeface="Arial" panose="020B0604020202020204" pitchFamily="34" charset="0"/>
+            </a:endParaRPr>
+          </a:p>
+          <a:p>
+            <a:pPr marL="1143000" indent="-1143000" algn="l">
+              <a:buFont typeface="Arial" panose="020B0604020202020204" pitchFamily="34" charset="0"/>
+              <a:buChar char="•"/>
+            </a:pPr>
+            <a:r>
+              <a:rPr lang="pt-BR" sz="4800" dirty="0">
+                <a:solidFill>
+                  <a:srgbClr val="255EA9"/>
+                </a:solidFill>
+                <a:latin typeface="Arial" panose="020B0604020202020204" pitchFamily="34" charset="0"/>
+                <a:cs typeface="Arial" panose="020B0604020202020204" pitchFamily="34" charset="0"/>
+              </a:rPr>
+              <a:t>E </a:t>
+            </a:r>
+            <a:r>
+              <a:rPr lang="pt-BR" sz="4800" dirty="0" err="1">
+                <a:solidFill>
+                  <a:srgbClr val="255EA9"/>
+                </a:solidFill>
+                <a:latin typeface="Arial" panose="020B0604020202020204" pitchFamily="34" charset="0"/>
+                <a:cs typeface="Arial" panose="020B0604020202020204" pitchFamily="34" charset="0"/>
+              </a:rPr>
+              <a:t>e</a:t>
+            </a:r>
+            <a:r>
+              <a:rPr lang="pt-BR" sz="4800" dirty="0">
+                <a:solidFill>
+                  <a:srgbClr val="255EA9"/>
+                </a:solidFill>
+                <a:latin typeface="Arial" panose="020B0604020202020204" pitchFamily="34" charset="0"/>
+                <a:cs typeface="Arial" panose="020B0604020202020204" pitchFamily="34" charset="0"/>
+              </a:rPr>
+              <a:t> Ou</a:t>
+            </a:r>
           </a:p>
           <a:p>
             <a:pPr algn="l"/>
